--- a/title.pptx
+++ b/title.pptx
@@ -17,6 +17,7 @@
     <p:sldId r:id="rId16" id="265"/>
     <p:sldId r:id="rId17" id="266"/>
     <p:sldId r:id="rId18" id="267"/>
+    <p:sldId r:id="rId19" id="268"/>
   </p:sldIdLst>
   <p:sldSz cx="9144000" cy="6858000" type="screen4x3"/>
   <p:notesSz cx="6858000" cy="9144000"/>
@@ -3115,7 +3116,7 @@
           <a:lstStyle/>
           <a:p>
             <a:r>
-              <a:t>HAPPY</a:t>
+              <a:t>GOLDENGLOBEAWARDS</a:t>
             </a:r>
           </a:p>
         </p:txBody>
@@ -3189,7 +3190,7 @@
           <a:p/>
           <a:p>
             <a:r>
-              <a:t>The Spaniard believed he was talking to Real Madrid sporting director Emilio Butragueno when he allegedly berated his team-mates as "bad people".</a:t>
+              <a:t>Ms Sturgeon said that while she had no reason to doubt the executive's support for the policy there were questions which needed to be answered and if necessary sums redone.</a:t>
             </a:r>
           </a:p>
         </p:txBody>
@@ -3246,7 +3247,7 @@
           <a:p/>
           <a:p>
             <a:r>
-              <a:t>The striker joined the Gunners from Seville for £17m at the start of 2004 but it has frequently been reported that he is homesick.</a:t>
+              <a:t>A report by the Fraser of Allander Institute says the decision to push ahead with the flagship policy was based on flawed research.</a:t>
             </a:r>
           </a:p>
         </p:txBody>
@@ -3276,6 +3277,63 @@
             <a:spLocks noGrp="1"/>
           </p:cNvSpPr>
           <p:nvPr>
+            <p:ph type="title"/>
+          </p:nvPr>
+        </p:nvSpPr>
+        <p:spPr/>
+        <p:txBody>
+          <a:bodyPr/>
+          <a:lstStyle/>
+          <a:p/>
+        </p:txBody>
+      </p:sp>
+      <p:sp>
+        <p:nvSpPr>
+          <p:cNvPr id="3" name="Content Placeholder 2"/>
+          <p:cNvSpPr>
+            <a:spLocks noGrp="1"/>
+          </p:cNvSpPr>
+          <p:nvPr>
+            <p:ph idx="1"/>
+          </p:nvPr>
+        </p:nvSpPr>
+        <p:spPr/>
+        <p:txBody>
+          <a:bodyPr tIns="1"/>
+          <a:lstStyle/>
+          <a:p/>
+          <a:p>
+            <a:r>
+              <a:t>Ministers have insisted they are committed to free personal care for the elderly despite research suggesting the cost of the policy was under-estimated.</a:t>
+            </a:r>
+          </a:p>
+        </p:txBody>
+      </p:sp>
+    </p:spTree>
+  </p:cSld>
+  <p:clrMapOvr>
+    <a:masterClrMapping/>
+  </p:clrMapOvr>
+</p:sld>
+</file>
+
+<file path=ppt/slides/slide13.xml><?xml version="1.0" encoding="utf-8"?>
+<p:sld xmlns:a="http://schemas.openxmlformats.org/drawingml/2006/main" xmlns:p="http://schemas.openxmlformats.org/presentationml/2006/main" xmlns:r="http://schemas.openxmlformats.org/officeDocument/2006/relationships">
+  <p:cSld>
+    <p:spTree>
+      <p:nvGrpSpPr>
+        <p:cNvPr id="1" name=""/>
+        <p:cNvGrpSpPr/>
+        <p:nvPr/>
+      </p:nvGrpSpPr>
+      <p:grpSpPr/>
+      <p:sp>
+        <p:nvSpPr>
+          <p:cNvPr id="2" name="Title 1"/>
+          <p:cNvSpPr>
+            <a:spLocks noGrp="1"/>
+          </p:cNvSpPr>
+          <p:nvPr>
             <p:ph type="ctrTitle"/>
           </p:nvPr>
         </p:nvSpPr>
@@ -3339,29 +3397,54 @@
         <p:txBody>
           <a:bodyPr/>
           <a:lstStyle/>
+          <a:p>
+            <a:r>
+              <a:t>Index</a:t>
+            </a:r>
+          </a:p>
+        </p:txBody>
+      </p:sp>
+      <p:sp>
+        <p:nvSpPr>
+          <p:cNvPr id="3" name="Content Placeholder 2"/>
+          <p:cNvSpPr>
+            <a:spLocks noGrp="1"/>
+          </p:cNvSpPr>
+          <p:nvPr>
+            <p:ph idx="1"/>
+          </p:nvPr>
+        </p:nvSpPr>
+        <p:spPr/>
+        <p:txBody>
+          <a:bodyPr/>
+          <a:lstStyle/>
           <a:p/>
-        </p:txBody>
-      </p:sp>
-      <p:sp>
-        <p:nvSpPr>
-          <p:cNvPr id="3" name="Content Placeholder 2"/>
-          <p:cNvSpPr>
-            <a:spLocks noGrp="1"/>
-          </p:cNvSpPr>
-          <p:nvPr>
-            <p:ph idx="1"/>
-          </p:nvPr>
-        </p:nvSpPr>
-        <p:spPr/>
-        <p:txBody>
-          <a:bodyPr tIns="1"/>
-          <a:lstStyle/>
+          <a:p>
+            <a:r>
+              <a:t>Ministers deny care sums 'wrong'</a:t>
+            </a:r>
+          </a:p>
+          <a:p>
+            <a:r>
+              <a:t>Edwards tips Idowu for Euro gold</a:t>
+            </a:r>
+          </a:p>
+          <a:p>
+            <a:r>
+              <a:t>Hunt demo at Labour meeting</a:t>
+            </a:r>
+          </a:p>
+          <a:p>
+            <a:r>
+              <a:t>Ireland call up uncapped Campbell</a:t>
+            </a:r>
+          </a:p>
+          <a:p>
+            <a:r>
+              <a:t>Standard Life cuts policy bonuses</a:t>
+            </a:r>
+          </a:p>
           <a:p/>
-          <a:p>
-            <a:r>
-              <a:t>Before the story surfaced Reyes had moved to play down reports linking him with the Spanish giants issuing a statement through Arsenal describing the speculation as "flattering".</a:t>
-            </a:r>
-          </a:p>
         </p:txBody>
       </p:sp>
     </p:spTree>
@@ -3416,7 +3499,7 @@
           <a:p/>
           <a:p>
             <a:r>
-              <a:t>"If I'm not (playing for Real) I'm going to have to carry on playing with some bad people" he added.</a:t>
+              <a:t>The rise in costs stems from a series of mistakes in the research used by the "care development group" of Scottish Executive experts who prepared the original costings according to findings published in the Quarterly Economic Commentary of Strathclyde University's Fraser of Allander Institute.</a:t>
             </a:r>
           </a:p>
         </p:txBody>
@@ -3473,7 +3556,7 @@
           <a:p/>
           <a:p>
             <a:r>
-              <a:t>He began the season in superb form but has struggled to maintain his high standards as Arsenal have gradually lost the Premiership initiative to Manchester United and Chelsea.</a:t>
+              <a:t>"We need to know that the money is there not just for this year or next year but into the future so that older people and those who are looking forward to older age can rest assured that their personal care needs will be met."</a:t>
             </a:r>
           </a:p>
         </p:txBody>
@@ -3530,7 +3613,7 @@
           <a:p/>
           <a:p>
             <a:r>
-              <a:t>"I have seen the stories in the media linking me with Real Madrid" he had said on Thursday lunchtime.</a:t>
+              <a:t>Pro-hunt campaigners claims the 1949 Parliament Act - which extends the right of the House of Commons to overrule the House of Lords - was itself invalid because it was never passed by peers.</a:t>
             </a:r>
           </a:p>
         </p:txBody>
@@ -3587,7 +3670,7 @@
           <a:p/>
           <a:p>
             <a:r>
-              <a:t>"But not only am I under contract at Arsenal I am happy here and committed to helping the team win more trophies."</a:t>
+              <a:t>It is the sixth time in three years Standard Life has made cuts to bonus rates despite an 8.7% rise in the value of the with-profits fund in 2004.</a:t>
             </a:r>
           </a:p>
         </p:txBody>
@@ -3644,7 +3727,7 @@
           <a:p/>
           <a:p>
             <a:r>
-              <a:t>Jose Antonio Reyes has added to speculation linking him with a move from Arsenal to Real Madrid after falling victim to a radio prank.</a:t>
+              <a:t>They have agreed to keep to a demonstration site on the other side of the River Tyne from the conference venue in Gateshead.</a:t>
             </a:r>
           </a:p>
         </p:txBody>
@@ -3701,7 +3784,7 @@
           <a:p/>
           <a:p>
             <a:r>
-              <a:t>"I'm happy Madrid is interested in me because it has always been my dream since I was little to play there."</a:t>
+              <a:t>John Gill managing director of the insurer's life and pensions division said that a strong stock market recovery in the past two years had only "partly compensated for losses during 2001 and 2002".</a:t>
             </a:r>
           </a:p>
         </p:txBody>
@@ -3758,7 +3841,7 @@
           <a:p/>
           <a:p>
             <a:r>
-              <a:t>"I didn't have to tell them anything at half-time because those players have stared down the barrel of a gun before.</a:t>
+              <a:t>The insurer argued that shares outperformed other investments over the long term and that policyholders would feel the benefit when the stock market recovered.</a:t>
             </a:r>
           </a:p>
         </p:txBody>

--- a/title.pptx
+++ b/title.pptx
@@ -3116,7 +3116,7 @@
           <a:lstStyle/>
           <a:p>
             <a:r>
-              <a:t>GOLDENGLOBEAWARDS</a:t>
+              <a:t>STUTI</a:t>
             </a:r>
           </a:p>
         </p:txBody>
@@ -3190,7 +3190,7 @@
           <a:p/>
           <a:p>
             <a:r>
-              <a:t>Ms Sturgeon said that while she had no reason to doubt the executive's support for the policy there were questions which needed to be answered and if necessary sums redone.</a:t>
+              <a:t>"We will look in great detail at any contribution to this because we need to be sure we can provide free personal care and nursing care for our older people into the future.</a:t>
             </a:r>
           </a:p>
         </p:txBody>
@@ -3247,7 +3247,7 @@
           <a:p/>
           <a:p>
             <a:r>
-              <a:t>A report by the Fraser of Allander Institute says the decision to push ahead with the flagship policy was based on flawed research.</a:t>
+              <a:t>But the Scottish National Party called on ministers to reassure people that enough funding is in place to support the free personal care policy.</a:t>
             </a:r>
           </a:p>
         </p:txBody>
@@ -3304,7 +3304,7 @@
           <a:p/>
           <a:p>
             <a:r>
-              <a:t>Ministers have insisted they are committed to free personal care for the elderly despite research suggesting the cost of the policy was under-estimated.</a:t>
+              <a:t>The qualifying round of the men's triple jump in Madrid takes place on Friday with the final scheduled for Saturday.</a:t>
             </a:r>
           </a:p>
         </p:txBody>
@@ -3434,16 +3434,6 @@
               <a:t>Hunt demo at Labour meeting</a:t>
             </a:r>
           </a:p>
-          <a:p>
-            <a:r>
-              <a:t>Ireland call up uncapped Campbell</a:t>
-            </a:r>
-          </a:p>
-          <a:p>
-            <a:r>
-              <a:t>Standard Life cuts policy bonuses</a:t>
-            </a:r>
-          </a:p>
           <a:p/>
         </p:txBody>
       </p:sp>
@@ -3556,7 +3546,7 @@
           <a:p/>
           <a:p>
             <a:r>
-              <a:t>"We need to know that the money is there not just for this year or next year but into the future so that older people and those who are looking forward to older age can rest assured that their personal care needs will be met."</a:t>
+              <a:t>Pro-hunt campaigners claims the 1949 Parliament Act - which extends the right of the House of Commons to overrule the House of Lords - was itself invalid because it was never passed by peers.</a:t>
             </a:r>
           </a:p>
         </p:txBody>
@@ -3613,7 +3603,7 @@
           <a:p/>
           <a:p>
             <a:r>
-              <a:t>Pro-hunt campaigners claims the 1949 Parliament Act - which extends the right of the House of Commons to overrule the House of Lords - was itself invalid because it was never passed by peers.</a:t>
+              <a:t>"We need to know that the money is there not just for this year or next year but into the future so that older people and those who are looking forward to older age can rest assured that their personal care needs will be met."</a:t>
             </a:r>
           </a:p>
         </p:txBody>
@@ -3670,7 +3660,7 @@
           <a:p/>
           <a:p>
             <a:r>
-              <a:t>It is the sixth time in three years Standard Life has made cuts to bonus rates despite an 8.7% rise in the value of the with-profits fund in 2004.</a:t>
+              <a:t>They have agreed to keep to a demonstration site on the other side of the River Tyne from the conference venue in Gateshead.</a:t>
             </a:r>
           </a:p>
         </p:txBody>
@@ -3727,7 +3717,7 @@
           <a:p/>
           <a:p>
             <a:r>
-              <a:t>They have agreed to keep to a demonstration site on the other side of the River Tyne from the conference venue in Gateshead.</a:t>
+              <a:t>A report by the Fraser of Allander Institute says the decision to push ahead with the flagship policy was based on flawed research.</a:t>
             </a:r>
           </a:p>
         </p:txBody>
@@ -3784,7 +3774,7 @@
           <a:p/>
           <a:p>
             <a:r>
-              <a:t>John Gill managing director of the insurer's life and pensions division said that a strong stock market recovery in the past two years had only "partly compensated for losses during 2001 and 2002".</a:t>
+              <a:t>Ministers have insisted they are committed to free personal care for the elderly despite research suggesting the cost of the policy was under-estimated.</a:t>
             </a:r>
           </a:p>
         </p:txBody>
@@ -3841,7 +3831,7 @@
           <a:p/>
           <a:p>
             <a:r>
-              <a:t>The insurer argued that shares outperformed other investments over the long term and that policyholders would feel the benefit when the stock market recovered.</a:t>
+              <a:t>Ms Sturgeon said that while she had no reason to doubt the executive's support for the policy there were questions which needed to be answered and if necessary sums redone.</a:t>
             </a:r>
           </a:p>
         </p:txBody>
